--- a/Project 2/Projekat 2.pptx
+++ b/Project 2/Projekat 2.pptx
@@ -12,19 +12,20 @@
     <p:sldId id="271" r:id="rId6"/>
     <p:sldId id="264" r:id="rId7"/>
     <p:sldId id="259" r:id="rId8"/>
-    <p:sldId id="260" r:id="rId9"/>
-    <p:sldId id="261" r:id="rId10"/>
-    <p:sldId id="262" r:id="rId11"/>
-    <p:sldId id="263" r:id="rId12"/>
-    <p:sldId id="266" r:id="rId13"/>
-    <p:sldId id="267" r:id="rId14"/>
-    <p:sldId id="268" r:id="rId15"/>
-    <p:sldId id="257" r:id="rId16"/>
-    <p:sldId id="275" r:id="rId17"/>
-    <p:sldId id="272" r:id="rId18"/>
-    <p:sldId id="273" r:id="rId19"/>
-    <p:sldId id="274" r:id="rId20"/>
-    <p:sldId id="269" r:id="rId21"/>
+    <p:sldId id="276" r:id="rId9"/>
+    <p:sldId id="260" r:id="rId10"/>
+    <p:sldId id="261" r:id="rId11"/>
+    <p:sldId id="262" r:id="rId12"/>
+    <p:sldId id="263" r:id="rId13"/>
+    <p:sldId id="266" r:id="rId14"/>
+    <p:sldId id="267" r:id="rId15"/>
+    <p:sldId id="268" r:id="rId16"/>
+    <p:sldId id="257" r:id="rId17"/>
+    <p:sldId id="275" r:id="rId18"/>
+    <p:sldId id="272" r:id="rId19"/>
+    <p:sldId id="273" r:id="rId20"/>
+    <p:sldId id="274" r:id="rId21"/>
+    <p:sldId id="269" r:id="rId22"/>
   </p:sldIdLst>
   <p:sldSz cx="12192000" cy="6858000"/>
   <p:notesSz cx="6858000" cy="9144000"/>
@@ -853,7 +854,7 @@
           <a:p>
             <a:fld id="{F056BD19-7187-4109-B2FE-406EA6DDB0E2}" type="datetimeFigureOut">
               <a:rPr lang="en-US" smtClean="0"/>
-              <a:t>25-Mar-23</a:t>
+              <a:t>31-Mar-23</a:t>
             </a:fld>
             <a:endParaRPr lang="en-US"/>
           </a:p>
@@ -1104,7 +1105,7 @@
           <a:p>
             <a:fld id="{F056BD19-7187-4109-B2FE-406EA6DDB0E2}" type="datetimeFigureOut">
               <a:rPr lang="en-US" smtClean="0"/>
-              <a:t>25-Mar-23</a:t>
+              <a:t>31-Mar-23</a:t>
             </a:fld>
             <a:endParaRPr lang="en-US"/>
           </a:p>
@@ -1418,7 +1419,7 @@
           <a:p>
             <a:fld id="{F056BD19-7187-4109-B2FE-406EA6DDB0E2}" type="datetimeFigureOut">
               <a:rPr lang="en-US" smtClean="0"/>
-              <a:t>25-Mar-23</a:t>
+              <a:t>31-Mar-23</a:t>
             </a:fld>
             <a:endParaRPr lang="en-US"/>
           </a:p>
@@ -1759,7 +1760,7 @@
           <a:p>
             <a:fld id="{F056BD19-7187-4109-B2FE-406EA6DDB0E2}" type="datetimeFigureOut">
               <a:rPr lang="en-US" smtClean="0"/>
-              <a:t>25-Mar-23</a:t>
+              <a:t>31-Mar-23</a:t>
             </a:fld>
             <a:endParaRPr lang="en-US"/>
           </a:p>
@@ -2073,7 +2074,7 @@
           <a:p>
             <a:fld id="{F056BD19-7187-4109-B2FE-406EA6DDB0E2}" type="datetimeFigureOut">
               <a:rPr lang="en-US" smtClean="0"/>
-              <a:t>25-Mar-23</a:t>
+              <a:t>31-Mar-23</a:t>
             </a:fld>
             <a:endParaRPr lang="en-US"/>
           </a:p>
@@ -2466,7 +2467,7 @@
           <a:p>
             <a:fld id="{F056BD19-7187-4109-B2FE-406EA6DDB0E2}" type="datetimeFigureOut">
               <a:rPr lang="en-US" smtClean="0"/>
-              <a:t>25-Mar-23</a:t>
+              <a:t>31-Mar-23</a:t>
             </a:fld>
             <a:endParaRPr lang="en-US"/>
           </a:p>
@@ -2636,7 +2637,7 @@
           <a:p>
             <a:fld id="{F056BD19-7187-4109-B2FE-406EA6DDB0E2}" type="datetimeFigureOut">
               <a:rPr lang="en-US" smtClean="0"/>
-              <a:t>25-Mar-23</a:t>
+              <a:t>31-Mar-23</a:t>
             </a:fld>
             <a:endParaRPr lang="en-US"/>
           </a:p>
@@ -2816,7 +2817,7 @@
           <a:p>
             <a:fld id="{F056BD19-7187-4109-B2FE-406EA6DDB0E2}" type="datetimeFigureOut">
               <a:rPr lang="en-US" smtClean="0"/>
-              <a:t>25-Mar-23</a:t>
+              <a:t>31-Mar-23</a:t>
             </a:fld>
             <a:endParaRPr lang="en-US"/>
           </a:p>
@@ -2992,7 +2993,7 @@
           <a:p>
             <a:fld id="{F056BD19-7187-4109-B2FE-406EA6DDB0E2}" type="datetimeFigureOut">
               <a:rPr lang="en-US" smtClean="0"/>
-              <a:t>25-Mar-23</a:t>
+              <a:t>31-Mar-23</a:t>
             </a:fld>
             <a:endParaRPr lang="en-US"/>
           </a:p>
@@ -3239,7 +3240,7 @@
           <a:p>
             <a:fld id="{F056BD19-7187-4109-B2FE-406EA6DDB0E2}" type="datetimeFigureOut">
               <a:rPr lang="en-US" smtClean="0"/>
-              <a:t>25-Mar-23</a:t>
+              <a:t>31-Mar-23</a:t>
             </a:fld>
             <a:endParaRPr lang="en-US"/>
           </a:p>
@@ -3471,7 +3472,7 @@
           <a:p>
             <a:fld id="{F056BD19-7187-4109-B2FE-406EA6DDB0E2}" type="datetimeFigureOut">
               <a:rPr lang="en-US" smtClean="0"/>
-              <a:t>25-Mar-23</a:t>
+              <a:t>31-Mar-23</a:t>
             </a:fld>
             <a:endParaRPr lang="en-US"/>
           </a:p>
@@ -3845,7 +3846,7 @@
           <a:p>
             <a:fld id="{F056BD19-7187-4109-B2FE-406EA6DDB0E2}" type="datetimeFigureOut">
               <a:rPr lang="en-US" smtClean="0"/>
-              <a:t>25-Mar-23</a:t>
+              <a:t>31-Mar-23</a:t>
             </a:fld>
             <a:endParaRPr lang="en-US"/>
           </a:p>
@@ -3968,7 +3969,7 @@
           <a:p>
             <a:fld id="{F056BD19-7187-4109-B2FE-406EA6DDB0E2}" type="datetimeFigureOut">
               <a:rPr lang="en-US" smtClean="0"/>
-              <a:t>25-Mar-23</a:t>
+              <a:t>31-Mar-23</a:t>
             </a:fld>
             <a:endParaRPr lang="en-US"/>
           </a:p>
@@ -4063,7 +4064,7 @@
           <a:p>
             <a:fld id="{F056BD19-7187-4109-B2FE-406EA6DDB0E2}" type="datetimeFigureOut">
               <a:rPr lang="en-US" smtClean="0"/>
-              <a:t>25-Mar-23</a:t>
+              <a:t>31-Mar-23</a:t>
             </a:fld>
             <a:endParaRPr lang="en-US"/>
           </a:p>
@@ -4318,7 +4319,7 @@
           <a:p>
             <a:fld id="{F056BD19-7187-4109-B2FE-406EA6DDB0E2}" type="datetimeFigureOut">
               <a:rPr lang="en-US" smtClean="0"/>
-              <a:t>25-Mar-23</a:t>
+              <a:t>31-Mar-23</a:t>
             </a:fld>
             <a:endParaRPr lang="en-US"/>
           </a:p>
@@ -4581,7 +4582,7 @@
           <a:p>
             <a:fld id="{F056BD19-7187-4109-B2FE-406EA6DDB0E2}" type="datetimeFigureOut">
               <a:rPr lang="en-US" smtClean="0"/>
-              <a:t>25-Mar-23</a:t>
+              <a:t>31-Mar-23</a:t>
             </a:fld>
             <a:endParaRPr lang="en-US"/>
           </a:p>
@@ -5324,7 +5325,7 @@
           <a:p>
             <a:fld id="{F056BD19-7187-4109-B2FE-406EA6DDB0E2}" type="datetimeFigureOut">
               <a:rPr lang="en-US" smtClean="0"/>
-              <a:t>25-Mar-23</a:t>
+              <a:t>31-Mar-23</a:t>
             </a:fld>
             <a:endParaRPr lang="en-US"/>
           </a:p>
@@ -5950,10 +5951,10 @@
       </p:grpSpPr>
       <p:sp>
         <p:nvSpPr>
-          <p:cNvPr id="2" name="Title 1">
+          <p:cNvPr id="3" name="Content Placeholder 2">
             <a:extLst>
               <a:ext uri="{FF2B5EF4-FFF2-40B4-BE49-F238E27FC236}">
-                <a16:creationId xmlns:a16="http://schemas.microsoft.com/office/drawing/2014/main" id="{1D940FC7-2BDC-E3D4-727A-72425DAD94A1}"/>
+                <a16:creationId xmlns:a16="http://schemas.microsoft.com/office/drawing/2014/main" id="{BE34E74E-76E6-4E62-A317-A5B7D1156E88}"/>
               </a:ext>
             </a:extLst>
           </p:cNvPr>
@@ -5961,13 +5962,13 @@
             <a:spLocks noGrp="1"/>
           </p:cNvSpPr>
           <p:nvPr>
-            <p:ph type="title"/>
-          </p:nvPr>
-        </p:nvSpPr>
-        <p:spPr>
-          <a:xfrm>
-            <a:off x="677333" y="0"/>
-            <a:ext cx="8596668" cy="649357"/>
+            <p:ph idx="1"/>
+          </p:nvPr>
+        </p:nvSpPr>
+        <p:spPr>
+          <a:xfrm>
+            <a:off x="677334" y="212035"/>
+            <a:ext cx="9049762" cy="5829327"/>
           </a:xfrm>
         </p:spPr>
         <p:txBody>
@@ -5976,56 +5977,21 @@
           <a:p>
             <a:r>
               <a:rPr lang="en-US" dirty="0"/>
-              <a:t>getAvg</a:t>
+              <a:t>Nakon toga</a:t>
             </a:r>
             <a:r>
               <a:rPr lang="sr-Latn-RS" dirty="0"/>
-              <a:t>() </a:t>
-            </a:r>
-            <a:endParaRPr lang="en-US" dirty="0"/>
-          </a:p>
-        </p:txBody>
-      </p:sp>
-      <p:sp>
-        <p:nvSpPr>
-          <p:cNvPr id="3" name="Content Placeholder 2">
+              <a:t> vrši se upis u cassandra bazu podataka, u jednu od dve tabele, max_data ili min_data. Mapiranje objekata na bazu podataka se vrši uz pomoć objekata klasa MaxSpeed i MinSpeed koje nasleđuju klasu CarData u kojoj je implementirana funkcija hashCode() kako bi ovo mapiranje bilo moguće.</a:t>
+            </a:r>
+          </a:p>
+        </p:txBody>
+      </p:sp>
+      <p:pic>
+        <p:nvPicPr>
+          <p:cNvPr id="5" name="Picture 4">
             <a:extLst>
               <a:ext uri="{FF2B5EF4-FFF2-40B4-BE49-F238E27FC236}">
-                <a16:creationId xmlns:a16="http://schemas.microsoft.com/office/drawing/2014/main" id="{996ED236-45C4-D2CF-A43E-230E80175A57}"/>
-              </a:ext>
-            </a:extLst>
-          </p:cNvPr>
-          <p:cNvSpPr>
-            <a:spLocks noGrp="1"/>
-          </p:cNvSpPr>
-          <p:nvPr>
-            <p:ph idx="1"/>
-          </p:nvPr>
-        </p:nvSpPr>
-        <p:spPr>
-          <a:xfrm>
-            <a:off x="677333" y="649358"/>
-            <a:ext cx="10043675" cy="6109252"/>
-          </a:xfrm>
-        </p:spPr>
-        <p:txBody>
-          <a:bodyPr/>
-          <a:lstStyle/>
-          <a:p>
-            <a:r>
-              <a:rPr lang="sr-Latn-RS" dirty="0"/>
-              <a:t>Ova funkcija prikazuje srednju vrednost atributa brzina i čekanje kao i broj vozila na toj lokaciji u vremenskom intervalu INTERVAL.</a:t>
-            </a:r>
-            <a:endParaRPr lang="en-US" dirty="0"/>
-          </a:p>
-        </p:txBody>
-      </p:sp>
-      <p:pic>
-        <p:nvPicPr>
-          <p:cNvPr id="6" name="Picture 5">
-            <a:extLst>
-              <a:ext uri="{FF2B5EF4-FFF2-40B4-BE49-F238E27FC236}">
-                <a16:creationId xmlns:a16="http://schemas.microsoft.com/office/drawing/2014/main" id="{31994F75-3CE0-3BCF-B030-9DF3169E2FE0}"/>
+                <a16:creationId xmlns:a16="http://schemas.microsoft.com/office/drawing/2014/main" id="{3449C544-9FAB-B82A-E36F-D9F2DCFA7BD2}"/>
               </a:ext>
             </a:extLst>
           </p:cNvPr>
@@ -6042,8 +6008,44 @@
         </p:blipFill>
         <p:spPr>
           <a:xfrm>
-            <a:off x="826190" y="1190625"/>
-            <a:ext cx="6528768" cy="5667375"/>
+            <a:off x="1102622" y="1505157"/>
+            <a:ext cx="7362825" cy="1038225"/>
+          </a:xfrm>
+          <a:prstGeom prst="rect">
+            <a:avLst/>
+          </a:prstGeom>
+        </p:spPr>
+      </p:pic>
+      <p:pic>
+        <p:nvPicPr>
+          <p:cNvPr id="9" name="Picture 8">
+            <a:extLst>
+              <a:ext uri="{FF2B5EF4-FFF2-40B4-BE49-F238E27FC236}">
+                <a16:creationId xmlns:a16="http://schemas.microsoft.com/office/drawing/2014/main" id="{52332F2D-C3C2-42D1-82AD-EF81245F0066}"/>
+              </a:ext>
+            </a:extLst>
+          </p:cNvPr>
+          <p:cNvPicPr>
+            <a:picLocks noChangeAspect="1"/>
+          </p:cNvPicPr>
+          <p:nvPr/>
+        </p:nvPicPr>
+        <p:blipFill>
+          <a:blip r:embed="rId3">
+            <a:extLst>
+              <a:ext uri="{28A0092B-C50C-407E-A947-70E740481C1C}">
+                <a14:useLocalDpi xmlns:a14="http://schemas.microsoft.com/office/drawing/2010/main" val="0"/>
+              </a:ext>
+            </a:extLst>
+          </a:blip>
+          <a:stretch>
+            <a:fillRect/>
+          </a:stretch>
+        </p:blipFill>
+        <p:spPr>
+          <a:xfrm>
+            <a:off x="1102622" y="2636030"/>
+            <a:ext cx="7904796" cy="3907437"/>
           </a:xfrm>
           <a:prstGeom prst="rect">
             <a:avLst/>
@@ -6053,7 +6055,7 @@
     </p:spTree>
     <p:extLst>
       <p:ext uri="{BB962C8B-B14F-4D97-AF65-F5344CB8AC3E}">
-        <p14:creationId xmlns:p14="http://schemas.microsoft.com/office/powerpoint/2010/main" val="3310956209"/>
+        <p14:creationId xmlns:p14="http://schemas.microsoft.com/office/powerpoint/2010/main" val="1776400515"/>
       </p:ext>
     </p:extLst>
   </p:cSld>
@@ -6097,7 +6099,7 @@
           <p:cNvPr id="2" name="Title 1">
             <a:extLst>
               <a:ext uri="{FF2B5EF4-FFF2-40B4-BE49-F238E27FC236}">
-                <a16:creationId xmlns:a16="http://schemas.microsoft.com/office/drawing/2014/main" id="{9BA92A8C-E006-6E42-C518-6899F09BACC7}"/>
+                <a16:creationId xmlns:a16="http://schemas.microsoft.com/office/drawing/2014/main" id="{1D940FC7-2BDC-E3D4-727A-72425DAD94A1}"/>
               </a:ext>
             </a:extLst>
           </p:cNvPr>
@@ -6110,8 +6112,8 @@
         </p:nvSpPr>
         <p:spPr>
           <a:xfrm>
-            <a:off x="677334" y="0"/>
-            <a:ext cx="8596668" cy="1320800"/>
+            <a:off x="677333" y="0"/>
+            <a:ext cx="8596668" cy="649357"/>
           </a:xfrm>
         </p:spPr>
         <p:txBody>
@@ -6119,54 +6121,57 @@
           <a:lstStyle/>
           <a:p>
             <a:r>
+              <a:rPr lang="en-US" dirty="0"/>
+              <a:t>getAvg</a:t>
+            </a:r>
+            <a:r>
               <a:rPr lang="sr-Latn-RS" dirty="0"/>
-              <a:t>Prikaz rezultata izvršenja funkcije getAvg() u bazi podataka </a:t>
+              <a:t>() </a:t>
             </a:r>
             <a:endParaRPr lang="en-US" dirty="0"/>
           </a:p>
         </p:txBody>
       </p:sp>
-      <p:pic>
-        <p:nvPicPr>
-          <p:cNvPr id="5" name="Content Placeholder 4">
+      <p:sp>
+        <p:nvSpPr>
+          <p:cNvPr id="3" name="Content Placeholder 2">
             <a:extLst>
               <a:ext uri="{FF2B5EF4-FFF2-40B4-BE49-F238E27FC236}">
-                <a16:creationId xmlns:a16="http://schemas.microsoft.com/office/drawing/2014/main" id="{F2202117-73F1-1793-25F8-08397763E30F}"/>
+                <a16:creationId xmlns:a16="http://schemas.microsoft.com/office/drawing/2014/main" id="{996ED236-45C4-D2CF-A43E-230E80175A57}"/>
               </a:ext>
             </a:extLst>
           </p:cNvPr>
-          <p:cNvPicPr>
-            <a:picLocks noGrp="1" noChangeAspect="1"/>
-          </p:cNvPicPr>
+          <p:cNvSpPr>
+            <a:spLocks noGrp="1"/>
+          </p:cNvSpPr>
           <p:nvPr>
             <p:ph idx="1"/>
           </p:nvPr>
-        </p:nvPicPr>
-        <p:blipFill>
-          <a:blip r:embed="rId2">
-            <a:extLst>
-              <a:ext uri="{28A0092B-C50C-407E-A947-70E740481C1C}">
-                <a14:useLocalDpi xmlns:a14="http://schemas.microsoft.com/office/drawing/2010/main" val="0"/>
-              </a:ext>
-            </a:extLst>
-          </a:blip>
-          <a:stretch>
-            <a:fillRect/>
-          </a:stretch>
-        </p:blipFill>
-        <p:spPr>
-          <a:xfrm>
-            <a:off x="677334" y="2279859"/>
-            <a:ext cx="6514953" cy="4477148"/>
-          </a:xfrm>
-        </p:spPr>
-      </p:pic>
+        </p:nvSpPr>
+        <p:spPr>
+          <a:xfrm>
+            <a:off x="677333" y="649358"/>
+            <a:ext cx="10043675" cy="6109252"/>
+          </a:xfrm>
+        </p:spPr>
+        <p:txBody>
+          <a:bodyPr/>
+          <a:lstStyle/>
+          <a:p>
+            <a:r>
+              <a:rPr lang="sr-Latn-RS" dirty="0"/>
+              <a:t>Ova funkcija prikazuje srednju vrednost atributa brzina i čekanje kao i broj vozila na toj lokaciji u vremenskom intervalu INTERVAL.</a:t>
+            </a:r>
+            <a:endParaRPr lang="en-US" dirty="0"/>
+          </a:p>
+        </p:txBody>
+      </p:sp>
       <p:pic>
         <p:nvPicPr>
-          <p:cNvPr id="7" name="Picture 6">
+          <p:cNvPr id="6" name="Picture 5">
             <a:extLst>
               <a:ext uri="{FF2B5EF4-FFF2-40B4-BE49-F238E27FC236}">
-                <a16:creationId xmlns:a16="http://schemas.microsoft.com/office/drawing/2014/main" id="{C689F5ED-BC8B-CA55-C631-2A0A1A87FCE1}"/>
+                <a16:creationId xmlns:a16="http://schemas.microsoft.com/office/drawing/2014/main" id="{31994F75-3CE0-3BCF-B030-9DF3169E2FE0}"/>
               </a:ext>
             </a:extLst>
           </p:cNvPr>
@@ -6176,15 +6181,15 @@
           <p:nvPr/>
         </p:nvPicPr>
         <p:blipFill>
-          <a:blip r:embed="rId3"/>
+          <a:blip r:embed="rId2"/>
           <a:stretch>
             <a:fillRect/>
           </a:stretch>
         </p:blipFill>
         <p:spPr>
           <a:xfrm>
-            <a:off x="677333" y="1256542"/>
-            <a:ext cx="7538257" cy="916815"/>
+            <a:off x="826190" y="1190625"/>
+            <a:ext cx="6528768" cy="5667375"/>
           </a:xfrm>
           <a:prstGeom prst="rect">
             <a:avLst/>
@@ -6194,7 +6199,7 @@
     </p:spTree>
     <p:extLst>
       <p:ext uri="{BB962C8B-B14F-4D97-AF65-F5344CB8AC3E}">
-        <p14:creationId xmlns:p14="http://schemas.microsoft.com/office/powerpoint/2010/main" val="865368940"/>
+        <p14:creationId xmlns:p14="http://schemas.microsoft.com/office/powerpoint/2010/main" val="3310956209"/>
       </p:ext>
     </p:extLst>
   </p:cSld>
@@ -6238,7 +6243,7 @@
           <p:cNvPr id="2" name="Title 1">
             <a:extLst>
               <a:ext uri="{FF2B5EF4-FFF2-40B4-BE49-F238E27FC236}">
-                <a16:creationId xmlns:a16="http://schemas.microsoft.com/office/drawing/2014/main" id="{CCC13619-858F-9A71-0C84-29920221A5CC}"/>
+                <a16:creationId xmlns:a16="http://schemas.microsoft.com/office/drawing/2014/main" id="{9BA92A8C-E006-6E42-C518-6899F09BACC7}"/>
               </a:ext>
             </a:extLst>
           </p:cNvPr>
@@ -6251,23 +6256,17 @@
         </p:nvSpPr>
         <p:spPr>
           <a:xfrm>
-            <a:off x="0" y="0"/>
-            <a:ext cx="10721010" cy="1320800"/>
-          </a:xfrm>
-        </p:spPr>
-        <p:txBody>
-          <a:bodyPr>
-            <a:normAutofit fontScale="90000"/>
-          </a:bodyPr>
-          <a:lstStyle/>
-          <a:p>
-            <a:r>
-              <a:rPr lang="en-US" dirty="0"/>
-              <a:t>mostVisited() funkcija koja prikazuje topN</a:t>
-            </a:r>
+            <a:off x="677334" y="0"/>
+            <a:ext cx="8596668" cy="1320800"/>
+          </a:xfrm>
+        </p:spPr>
+        <p:txBody>
+          <a:bodyPr/>
+          <a:lstStyle/>
+          <a:p>
             <a:r>
               <a:rPr lang="sr-Latn-RS" dirty="0"/>
-              <a:t> najposećenijih lokacija u vremenskom prozoru INTERVAL</a:t>
+              <a:t>Prikaz rezultata izvršenja funkcije getAvg() u bazi podataka </a:t>
             </a:r>
             <a:endParaRPr lang="en-US" dirty="0"/>
           </a:p>
@@ -6278,7 +6277,7 @@
           <p:cNvPr id="5" name="Content Placeholder 4">
             <a:extLst>
               <a:ext uri="{FF2B5EF4-FFF2-40B4-BE49-F238E27FC236}">
-                <a16:creationId xmlns:a16="http://schemas.microsoft.com/office/drawing/2014/main" id="{CB497E8B-261D-6F8F-17D7-698068B9F73A}"/>
+                <a16:creationId xmlns:a16="http://schemas.microsoft.com/office/drawing/2014/main" id="{F2202117-73F1-1793-25F8-08397763E30F}"/>
               </a:ext>
             </a:extLst>
           </p:cNvPr>
@@ -6290,22 +6289,58 @@
           </p:nvPr>
         </p:nvPicPr>
         <p:blipFill>
-          <a:blip r:embed="rId2"/>
+          <a:blip r:embed="rId2">
+            <a:extLst>
+              <a:ext uri="{28A0092B-C50C-407E-A947-70E740481C1C}">
+                <a14:useLocalDpi xmlns:a14="http://schemas.microsoft.com/office/drawing/2010/main" val="0"/>
+              </a:ext>
+            </a:extLst>
+          </a:blip>
           <a:stretch>
             <a:fillRect/>
           </a:stretch>
         </p:blipFill>
         <p:spPr>
           <a:xfrm>
-            <a:off x="1190181" y="1320800"/>
-            <a:ext cx="7291210" cy="5020591"/>
-          </a:xfrm>
+            <a:off x="677334" y="2279859"/>
+            <a:ext cx="6514953" cy="4477148"/>
+          </a:xfrm>
+        </p:spPr>
+      </p:pic>
+      <p:pic>
+        <p:nvPicPr>
+          <p:cNvPr id="7" name="Picture 6">
+            <a:extLst>
+              <a:ext uri="{FF2B5EF4-FFF2-40B4-BE49-F238E27FC236}">
+                <a16:creationId xmlns:a16="http://schemas.microsoft.com/office/drawing/2014/main" id="{C689F5ED-BC8B-CA55-C631-2A0A1A87FCE1}"/>
+              </a:ext>
+            </a:extLst>
+          </p:cNvPr>
+          <p:cNvPicPr>
+            <a:picLocks noChangeAspect="1"/>
+          </p:cNvPicPr>
+          <p:nvPr/>
+        </p:nvPicPr>
+        <p:blipFill>
+          <a:blip r:embed="rId3"/>
+          <a:stretch>
+            <a:fillRect/>
+          </a:stretch>
+        </p:blipFill>
+        <p:spPr>
+          <a:xfrm>
+            <a:off x="677333" y="1256542"/>
+            <a:ext cx="7538257" cy="916815"/>
+          </a:xfrm>
+          <a:prstGeom prst="rect">
+            <a:avLst/>
+          </a:prstGeom>
         </p:spPr>
       </p:pic>
     </p:spTree>
     <p:extLst>
       <p:ext uri="{BB962C8B-B14F-4D97-AF65-F5344CB8AC3E}">
-        <p14:creationId xmlns:p14="http://schemas.microsoft.com/office/powerpoint/2010/main" val="579082575"/>
+        <p14:creationId xmlns:p14="http://schemas.microsoft.com/office/powerpoint/2010/main" val="865368940"/>
       </p:ext>
     </p:extLst>
   </p:cSld>
@@ -6349,6 +6384,117 @@
           <p:cNvPr id="2" name="Title 1">
             <a:extLst>
               <a:ext uri="{FF2B5EF4-FFF2-40B4-BE49-F238E27FC236}">
+                <a16:creationId xmlns:a16="http://schemas.microsoft.com/office/drawing/2014/main" id="{CCC13619-858F-9A71-0C84-29920221A5CC}"/>
+              </a:ext>
+            </a:extLst>
+          </p:cNvPr>
+          <p:cNvSpPr>
+            <a:spLocks noGrp="1"/>
+          </p:cNvSpPr>
+          <p:nvPr>
+            <p:ph type="title"/>
+          </p:nvPr>
+        </p:nvSpPr>
+        <p:spPr>
+          <a:xfrm>
+            <a:off x="0" y="0"/>
+            <a:ext cx="10721010" cy="1320800"/>
+          </a:xfrm>
+        </p:spPr>
+        <p:txBody>
+          <a:bodyPr>
+            <a:normAutofit fontScale="90000"/>
+          </a:bodyPr>
+          <a:lstStyle/>
+          <a:p>
+            <a:r>
+              <a:rPr lang="en-US" dirty="0"/>
+              <a:t>mostVisited() funkcija koja prikazuje topN</a:t>
+            </a:r>
+            <a:r>
+              <a:rPr lang="sr-Latn-RS" dirty="0"/>
+              <a:t> najposećenijih lokacija u vremenskom prozoru INTERVAL</a:t>
+            </a:r>
+            <a:endParaRPr lang="en-US" dirty="0"/>
+          </a:p>
+        </p:txBody>
+      </p:sp>
+      <p:pic>
+        <p:nvPicPr>
+          <p:cNvPr id="5" name="Content Placeholder 4">
+            <a:extLst>
+              <a:ext uri="{FF2B5EF4-FFF2-40B4-BE49-F238E27FC236}">
+                <a16:creationId xmlns:a16="http://schemas.microsoft.com/office/drawing/2014/main" id="{CB497E8B-261D-6F8F-17D7-698068B9F73A}"/>
+              </a:ext>
+            </a:extLst>
+          </p:cNvPr>
+          <p:cNvPicPr>
+            <a:picLocks noGrp="1" noChangeAspect="1"/>
+          </p:cNvPicPr>
+          <p:nvPr>
+            <p:ph idx="1"/>
+          </p:nvPr>
+        </p:nvPicPr>
+        <p:blipFill>
+          <a:blip r:embed="rId2"/>
+          <a:stretch>
+            <a:fillRect/>
+          </a:stretch>
+        </p:blipFill>
+        <p:spPr>
+          <a:xfrm>
+            <a:off x="1190181" y="1320800"/>
+            <a:ext cx="7291210" cy="5020591"/>
+          </a:xfrm>
+        </p:spPr>
+      </p:pic>
+    </p:spTree>
+    <p:extLst>
+      <p:ext uri="{BB962C8B-B14F-4D97-AF65-F5344CB8AC3E}">
+        <p14:creationId xmlns:p14="http://schemas.microsoft.com/office/powerpoint/2010/main" val="579082575"/>
+      </p:ext>
+    </p:extLst>
+  </p:cSld>
+  <p:clrMapOvr>
+    <a:masterClrMapping/>
+  </p:clrMapOvr>
+  <mc:AlternateContent xmlns:mc="http://schemas.openxmlformats.org/markup-compatibility/2006" xmlns:p14="http://schemas.microsoft.com/office/powerpoint/2010/main">
+    <mc:Choice Requires="p14">
+      <p:transition spd="med" p14:dur="700">
+        <p:fade/>
+      </p:transition>
+    </mc:Choice>
+    <mc:Fallback xmlns="">
+      <p:transition spd="med">
+        <p:fade/>
+      </p:transition>
+    </mc:Fallback>
+  </mc:AlternateContent>
+</p:sld>
+</file>
+
+<file path=ppt/slides/slide14.xml><?xml version="1.0" encoding="utf-8"?>
+<p:sld xmlns:a="http://schemas.openxmlformats.org/drawingml/2006/main" xmlns:r="http://schemas.openxmlformats.org/officeDocument/2006/relationships" xmlns:p="http://schemas.openxmlformats.org/presentationml/2006/main">
+  <p:cSld>
+    <p:spTree>
+      <p:nvGrpSpPr>
+        <p:cNvPr id="1" name=""/>
+        <p:cNvGrpSpPr/>
+        <p:nvPr/>
+      </p:nvGrpSpPr>
+      <p:grpSpPr>
+        <a:xfrm>
+          <a:off x="0" y="0"/>
+          <a:ext cx="0" cy="0"/>
+          <a:chOff x="0" y="0"/>
+          <a:chExt cx="0" cy="0"/>
+        </a:xfrm>
+      </p:grpSpPr>
+      <p:sp>
+        <p:nvSpPr>
+          <p:cNvPr id="2" name="Title 1">
+            <a:extLst>
+              <a:ext uri="{FF2B5EF4-FFF2-40B4-BE49-F238E27FC236}">
                 <a16:creationId xmlns:a16="http://schemas.microsoft.com/office/drawing/2014/main" id="{1762BFE2-3A09-A1DC-763F-8F4E8C3BF57B}"/>
               </a:ext>
             </a:extLst>
@@ -6468,7 +6614,7 @@
 </p:sld>
 </file>
 
-<file path=ppt/slides/slide14.xml><?xml version="1.0" encoding="utf-8"?>
+<file path=ppt/slides/slide15.xml><?xml version="1.0" encoding="utf-8"?>
 <p:sld xmlns:a="http://schemas.openxmlformats.org/drawingml/2006/main" xmlns:r="http://schemas.openxmlformats.org/officeDocument/2006/relationships" xmlns:p="http://schemas.openxmlformats.org/presentationml/2006/main">
   <p:cSld>
     <p:spTree>
@@ -6920,7 +7066,7 @@
 </p:sld>
 </file>
 
-<file path=ppt/slides/slide15.xml><?xml version="1.0" encoding="utf-8"?>
+<file path=ppt/slides/slide16.xml><?xml version="1.0" encoding="utf-8"?>
 <p:sld xmlns:a="http://schemas.openxmlformats.org/drawingml/2006/main" xmlns:r="http://schemas.openxmlformats.org/officeDocument/2006/relationships" xmlns:p="http://schemas.openxmlformats.org/presentationml/2006/main">
   <p:cSld>
     <p:spTree>
@@ -6996,7 +7142,7 @@
 </p:sld>
 </file>
 
-<file path=ppt/slides/slide16.xml><?xml version="1.0" encoding="utf-8"?>
+<file path=ppt/slides/slide17.xml><?xml version="1.0" encoding="utf-8"?>
 <p:sld xmlns:a="http://schemas.openxmlformats.org/drawingml/2006/main" xmlns:r="http://schemas.openxmlformats.org/officeDocument/2006/relationships" xmlns:p="http://schemas.openxmlformats.org/presentationml/2006/main">
   <p:cSld>
     <p:spTree>
@@ -7110,130 +7256,6 @@
     <p:extLst>
       <p:ext uri="{BB962C8B-B14F-4D97-AF65-F5344CB8AC3E}">
         <p14:creationId xmlns:p14="http://schemas.microsoft.com/office/powerpoint/2010/main" val="1690963142"/>
-      </p:ext>
-    </p:extLst>
-  </p:cSld>
-  <p:clrMapOvr>
-    <a:masterClrMapping/>
-  </p:clrMapOvr>
-</p:sld>
-</file>
-
-<file path=ppt/slides/slide17.xml><?xml version="1.0" encoding="utf-8"?>
-<p:sld xmlns:a="http://schemas.openxmlformats.org/drawingml/2006/main" xmlns:r="http://schemas.openxmlformats.org/officeDocument/2006/relationships" xmlns:p="http://schemas.openxmlformats.org/presentationml/2006/main">
-  <p:cSld>
-    <p:spTree>
-      <p:nvGrpSpPr>
-        <p:cNvPr id="1" name=""/>
-        <p:cNvGrpSpPr/>
-        <p:nvPr/>
-      </p:nvGrpSpPr>
-      <p:grpSpPr>
-        <a:xfrm>
-          <a:off x="0" y="0"/>
-          <a:ext cx="0" cy="0"/>
-          <a:chOff x="0" y="0"/>
-          <a:chExt cx="0" cy="0"/>
-        </a:xfrm>
-      </p:grpSpPr>
-      <p:sp>
-        <p:nvSpPr>
-          <p:cNvPr id="2" name="Title 1">
-            <a:extLst>
-              <a:ext uri="{FF2B5EF4-FFF2-40B4-BE49-F238E27FC236}">
-                <a16:creationId xmlns:a16="http://schemas.microsoft.com/office/drawing/2014/main" id="{AF3ED791-0FDB-8CBA-1022-638854EECE91}"/>
-              </a:ext>
-            </a:extLst>
-          </p:cNvPr>
-          <p:cNvSpPr>
-            <a:spLocks noGrp="1"/>
-          </p:cNvSpPr>
-          <p:nvPr>
-            <p:ph type="title"/>
-          </p:nvPr>
-        </p:nvSpPr>
-        <p:spPr>
-          <a:xfrm>
-            <a:off x="186440" y="172278"/>
-            <a:ext cx="11409211" cy="1073426"/>
-          </a:xfrm>
-        </p:spPr>
-        <p:txBody>
-          <a:bodyPr>
-            <a:noAutofit/>
-          </a:bodyPr>
-          <a:lstStyle/>
-          <a:p>
-            <a:r>
-              <a:rPr lang="sr-Latn-RS" sz="2400" dirty="0"/>
-              <a:t>Određivanje minimalne, maksimalne i prosečne vrednosti brzine automobila kao i broj automobila na svakoj lokaciji u vremenskom prozoru od 10 sekundi</a:t>
-            </a:r>
-          </a:p>
-        </p:txBody>
-      </p:sp>
-      <p:pic>
-        <p:nvPicPr>
-          <p:cNvPr id="5" name="Content Placeholder 4">
-            <a:extLst>
-              <a:ext uri="{FF2B5EF4-FFF2-40B4-BE49-F238E27FC236}">
-                <a16:creationId xmlns:a16="http://schemas.microsoft.com/office/drawing/2014/main" id="{69206014-6451-D5D5-C4BC-8C55EB383497}"/>
-              </a:ext>
-            </a:extLst>
-          </p:cNvPr>
-          <p:cNvPicPr>
-            <a:picLocks noGrp="1" noChangeAspect="1"/>
-          </p:cNvPicPr>
-          <p:nvPr>
-            <p:ph idx="1"/>
-          </p:nvPr>
-        </p:nvPicPr>
-        <p:blipFill>
-          <a:blip r:embed="rId2"/>
-          <a:stretch>
-            <a:fillRect/>
-          </a:stretch>
-        </p:blipFill>
-        <p:spPr>
-          <a:xfrm>
-            <a:off x="0" y="1041744"/>
-            <a:ext cx="8105775" cy="3829050"/>
-          </a:xfrm>
-        </p:spPr>
-      </p:pic>
-      <p:pic>
-        <p:nvPicPr>
-          <p:cNvPr id="7" name="Picture 6">
-            <a:extLst>
-              <a:ext uri="{FF2B5EF4-FFF2-40B4-BE49-F238E27FC236}">
-                <a16:creationId xmlns:a16="http://schemas.microsoft.com/office/drawing/2014/main" id="{811B6F03-8DBE-C957-B36B-B901F3DAD89C}"/>
-              </a:ext>
-            </a:extLst>
-          </p:cNvPr>
-          <p:cNvPicPr>
-            <a:picLocks noChangeAspect="1"/>
-          </p:cNvPicPr>
-          <p:nvPr/>
-        </p:nvPicPr>
-        <p:blipFill>
-          <a:blip r:embed="rId3"/>
-          <a:stretch>
-            <a:fillRect/>
-          </a:stretch>
-        </p:blipFill>
-        <p:spPr>
-          <a:xfrm>
-            <a:off x="8197631" y="1041744"/>
-            <a:ext cx="3807929" cy="1277343"/>
-          </a:xfrm>
-          <a:prstGeom prst="rect">
-            <a:avLst/>
-          </a:prstGeom>
-        </p:spPr>
-      </p:pic>
-    </p:spTree>
-    <p:extLst>
-      <p:ext uri="{BB962C8B-B14F-4D97-AF65-F5344CB8AC3E}">
-        <p14:creationId xmlns:p14="http://schemas.microsoft.com/office/powerpoint/2010/main" val="2480364329"/>
       </p:ext>
     </p:extLst>
   </p:cSld>
@@ -7265,6 +7287,130 @@
           <p:cNvPr id="2" name="Title 1">
             <a:extLst>
               <a:ext uri="{FF2B5EF4-FFF2-40B4-BE49-F238E27FC236}">
+                <a16:creationId xmlns:a16="http://schemas.microsoft.com/office/drawing/2014/main" id="{AF3ED791-0FDB-8CBA-1022-638854EECE91}"/>
+              </a:ext>
+            </a:extLst>
+          </p:cNvPr>
+          <p:cNvSpPr>
+            <a:spLocks noGrp="1"/>
+          </p:cNvSpPr>
+          <p:nvPr>
+            <p:ph type="title"/>
+          </p:nvPr>
+        </p:nvSpPr>
+        <p:spPr>
+          <a:xfrm>
+            <a:off x="186440" y="172278"/>
+            <a:ext cx="11409211" cy="1073426"/>
+          </a:xfrm>
+        </p:spPr>
+        <p:txBody>
+          <a:bodyPr>
+            <a:noAutofit/>
+          </a:bodyPr>
+          <a:lstStyle/>
+          <a:p>
+            <a:r>
+              <a:rPr lang="sr-Latn-RS" sz="2400" dirty="0"/>
+              <a:t>Određivanje minimalne, maksimalne i prosečne vrednosti brzine automobila kao i broj automobila na svakoj lokaciji u vremenskom prozoru od 10 sekundi</a:t>
+            </a:r>
+          </a:p>
+        </p:txBody>
+      </p:sp>
+      <p:pic>
+        <p:nvPicPr>
+          <p:cNvPr id="5" name="Content Placeholder 4">
+            <a:extLst>
+              <a:ext uri="{FF2B5EF4-FFF2-40B4-BE49-F238E27FC236}">
+                <a16:creationId xmlns:a16="http://schemas.microsoft.com/office/drawing/2014/main" id="{69206014-6451-D5D5-C4BC-8C55EB383497}"/>
+              </a:ext>
+            </a:extLst>
+          </p:cNvPr>
+          <p:cNvPicPr>
+            <a:picLocks noGrp="1" noChangeAspect="1"/>
+          </p:cNvPicPr>
+          <p:nvPr>
+            <p:ph idx="1"/>
+          </p:nvPr>
+        </p:nvPicPr>
+        <p:blipFill>
+          <a:blip r:embed="rId2"/>
+          <a:stretch>
+            <a:fillRect/>
+          </a:stretch>
+        </p:blipFill>
+        <p:spPr>
+          <a:xfrm>
+            <a:off x="0" y="1041744"/>
+            <a:ext cx="8105775" cy="3829050"/>
+          </a:xfrm>
+        </p:spPr>
+      </p:pic>
+      <p:pic>
+        <p:nvPicPr>
+          <p:cNvPr id="7" name="Picture 6">
+            <a:extLst>
+              <a:ext uri="{FF2B5EF4-FFF2-40B4-BE49-F238E27FC236}">
+                <a16:creationId xmlns:a16="http://schemas.microsoft.com/office/drawing/2014/main" id="{811B6F03-8DBE-C957-B36B-B901F3DAD89C}"/>
+              </a:ext>
+            </a:extLst>
+          </p:cNvPr>
+          <p:cNvPicPr>
+            <a:picLocks noChangeAspect="1"/>
+          </p:cNvPicPr>
+          <p:nvPr/>
+        </p:nvPicPr>
+        <p:blipFill>
+          <a:blip r:embed="rId3"/>
+          <a:stretch>
+            <a:fillRect/>
+          </a:stretch>
+        </p:blipFill>
+        <p:spPr>
+          <a:xfrm>
+            <a:off x="8197631" y="1041744"/>
+            <a:ext cx="3807929" cy="1277343"/>
+          </a:xfrm>
+          <a:prstGeom prst="rect">
+            <a:avLst/>
+          </a:prstGeom>
+        </p:spPr>
+      </p:pic>
+    </p:spTree>
+    <p:extLst>
+      <p:ext uri="{BB962C8B-B14F-4D97-AF65-F5344CB8AC3E}">
+        <p14:creationId xmlns:p14="http://schemas.microsoft.com/office/powerpoint/2010/main" val="2480364329"/>
+      </p:ext>
+    </p:extLst>
+  </p:cSld>
+  <p:clrMapOvr>
+    <a:masterClrMapping/>
+  </p:clrMapOvr>
+</p:sld>
+</file>
+
+<file path=ppt/slides/slide19.xml><?xml version="1.0" encoding="utf-8"?>
+<p:sld xmlns:a="http://schemas.openxmlformats.org/drawingml/2006/main" xmlns:r="http://schemas.openxmlformats.org/officeDocument/2006/relationships" xmlns:p="http://schemas.openxmlformats.org/presentationml/2006/main">
+  <p:cSld>
+    <p:spTree>
+      <p:nvGrpSpPr>
+        <p:cNvPr id="1" name=""/>
+        <p:cNvGrpSpPr/>
+        <p:nvPr/>
+      </p:nvGrpSpPr>
+      <p:grpSpPr>
+        <a:xfrm>
+          <a:off x="0" y="0"/>
+          <a:ext cx="0" cy="0"/>
+          <a:chOff x="0" y="0"/>
+          <a:chExt cx="0" cy="0"/>
+        </a:xfrm>
+      </p:grpSpPr>
+      <p:sp>
+        <p:nvSpPr>
+          <p:cNvPr id="2" name="Title 1">
+            <a:extLst>
+              <a:ext uri="{FF2B5EF4-FFF2-40B4-BE49-F238E27FC236}">
                 <a16:creationId xmlns:a16="http://schemas.microsoft.com/office/drawing/2014/main" id="{CF8F31CF-23D5-8A87-47C5-CA338CBF5D5C}"/>
               </a:ext>
             </a:extLst>
@@ -7342,7 +7488,152 @@
 </p:sld>
 </file>
 
-<file path=ppt/slides/slide19.xml><?xml version="1.0" encoding="utf-8"?>
+<file path=ppt/slides/slide2.xml><?xml version="1.0" encoding="utf-8"?>
+<p:sld xmlns:a="http://schemas.openxmlformats.org/drawingml/2006/main" xmlns:r="http://schemas.openxmlformats.org/officeDocument/2006/relationships" xmlns:p="http://schemas.openxmlformats.org/presentationml/2006/main">
+  <p:cSld>
+    <p:spTree>
+      <p:nvGrpSpPr>
+        <p:cNvPr id="1" name=""/>
+        <p:cNvGrpSpPr/>
+        <p:nvPr/>
+      </p:nvGrpSpPr>
+      <p:grpSpPr>
+        <a:xfrm>
+          <a:off x="0" y="0"/>
+          <a:ext cx="0" cy="0"/>
+          <a:chOff x="0" y="0"/>
+          <a:chExt cx="0" cy="0"/>
+        </a:xfrm>
+      </p:grpSpPr>
+      <p:sp>
+        <p:nvSpPr>
+          <p:cNvPr id="2" name="Title 1">
+            <a:extLst>
+              <a:ext uri="{FF2B5EF4-FFF2-40B4-BE49-F238E27FC236}">
+                <a16:creationId xmlns:a16="http://schemas.microsoft.com/office/drawing/2014/main" id="{84BF00EF-CBC3-B29F-0104-89CB8A10732A}"/>
+              </a:ext>
+            </a:extLst>
+          </p:cNvPr>
+          <p:cNvSpPr>
+            <a:spLocks noGrp="1"/>
+          </p:cNvSpPr>
+          <p:nvPr>
+            <p:ph type="title"/>
+          </p:nvPr>
+        </p:nvSpPr>
+        <p:spPr/>
+        <p:txBody>
+          <a:bodyPr/>
+          <a:lstStyle/>
+          <a:p>
+            <a:r>
+              <a:rPr lang="sr-Latn-RS" dirty="0"/>
+              <a:t>Opis podataka koji se koriste za ovaj projekat</a:t>
+            </a:r>
+            <a:endParaRPr lang="en-US" dirty="0"/>
+          </a:p>
+        </p:txBody>
+      </p:sp>
+      <p:pic>
+        <p:nvPicPr>
+          <p:cNvPr id="5" name="Content Placeholder 4">
+            <a:extLst>
+              <a:ext uri="{FF2B5EF4-FFF2-40B4-BE49-F238E27FC236}">
+                <a16:creationId xmlns:a16="http://schemas.microsoft.com/office/drawing/2014/main" id="{FAA27365-781E-CC26-14C2-6B38D008E980}"/>
+              </a:ext>
+            </a:extLst>
+          </p:cNvPr>
+          <p:cNvPicPr>
+            <a:picLocks noGrp="1" noChangeAspect="1"/>
+          </p:cNvPicPr>
+          <p:nvPr>
+            <p:ph sz="half" idx="1"/>
+          </p:nvPr>
+        </p:nvPicPr>
+        <p:blipFill>
+          <a:blip r:embed="rId2"/>
+          <a:stretch>
+            <a:fillRect/>
+          </a:stretch>
+        </p:blipFill>
+        <p:spPr>
+          <a:xfrm>
+            <a:off x="578078" y="4461298"/>
+            <a:ext cx="11035844" cy="466303"/>
+          </a:xfrm>
+        </p:spPr>
+      </p:pic>
+      <p:sp>
+        <p:nvSpPr>
+          <p:cNvPr id="6" name="Content Placeholder 5">
+            <a:extLst>
+              <a:ext uri="{FF2B5EF4-FFF2-40B4-BE49-F238E27FC236}">
+                <a16:creationId xmlns:a16="http://schemas.microsoft.com/office/drawing/2014/main" id="{21820E4A-904A-6E79-2775-07CEDC6CB477}"/>
+              </a:ext>
+            </a:extLst>
+          </p:cNvPr>
+          <p:cNvSpPr>
+            <a:spLocks noGrp="1"/>
+          </p:cNvSpPr>
+          <p:nvPr>
+            <p:ph sz="half" idx="2"/>
+          </p:nvPr>
+        </p:nvSpPr>
+        <p:spPr>
+          <a:xfrm>
+            <a:off x="795130" y="2160589"/>
+            <a:ext cx="8478874" cy="3880773"/>
+          </a:xfrm>
+        </p:spPr>
+        <p:txBody>
+          <a:bodyPr/>
+          <a:lstStyle/>
+          <a:p>
+            <a:r>
+              <a:rPr lang="sr-Latn-RS" dirty="0"/>
+              <a:t>Dataset se sastoji od podataka koji opisuju kretanje vozila u Nišu u jednom danu u rasponu od 12h. </a:t>
+            </a:r>
+          </a:p>
+          <a:p>
+            <a:r>
+              <a:rPr lang="sr-Latn-RS" dirty="0"/>
+              <a:t>Veličina dataset-a je oko 1GB.</a:t>
+            </a:r>
+          </a:p>
+          <a:p>
+            <a:r>
+              <a:rPr lang="sr-Latn-RS" dirty="0"/>
+              <a:t>Atributi u dataset-u prikazuju gde se vozilo nalazilo u određenom trenutku, količinu različitih izduvnih gasova i nivo buke koju vozilo proizvodi.</a:t>
+            </a:r>
+          </a:p>
+        </p:txBody>
+      </p:sp>
+    </p:spTree>
+    <p:extLst>
+      <p:ext uri="{BB962C8B-B14F-4D97-AF65-F5344CB8AC3E}">
+        <p14:creationId xmlns:p14="http://schemas.microsoft.com/office/powerpoint/2010/main" val="2222985660"/>
+      </p:ext>
+    </p:extLst>
+  </p:cSld>
+  <p:clrMapOvr>
+    <a:masterClrMapping/>
+  </p:clrMapOvr>
+  <mc:AlternateContent xmlns:mc="http://schemas.openxmlformats.org/markup-compatibility/2006" xmlns:p14="http://schemas.microsoft.com/office/powerpoint/2010/main">
+    <mc:Choice Requires="p14">
+      <p:transition spd="med" p14:dur="700">
+        <p:fade/>
+      </p:transition>
+    </mc:Choice>
+    <mc:Fallback xmlns="">
+      <p:transition spd="med">
+        <p:fade/>
+      </p:transition>
+    </mc:Fallback>
+  </mc:AlternateContent>
+</p:sld>
+</file>
+
+<file path=ppt/slides/slide20.xml><?xml version="1.0" encoding="utf-8"?>
 <p:sld xmlns:a="http://schemas.openxmlformats.org/drawingml/2006/main" xmlns:r="http://schemas.openxmlformats.org/officeDocument/2006/relationships" xmlns:p="http://schemas.openxmlformats.org/presentationml/2006/main">
   <p:cSld>
     <p:spTree>
@@ -7537,152 +7828,7 @@
 </p:sld>
 </file>
 
-<file path=ppt/slides/slide2.xml><?xml version="1.0" encoding="utf-8"?>
-<p:sld xmlns:a="http://schemas.openxmlformats.org/drawingml/2006/main" xmlns:r="http://schemas.openxmlformats.org/officeDocument/2006/relationships" xmlns:p="http://schemas.openxmlformats.org/presentationml/2006/main">
-  <p:cSld>
-    <p:spTree>
-      <p:nvGrpSpPr>
-        <p:cNvPr id="1" name=""/>
-        <p:cNvGrpSpPr/>
-        <p:nvPr/>
-      </p:nvGrpSpPr>
-      <p:grpSpPr>
-        <a:xfrm>
-          <a:off x="0" y="0"/>
-          <a:ext cx="0" cy="0"/>
-          <a:chOff x="0" y="0"/>
-          <a:chExt cx="0" cy="0"/>
-        </a:xfrm>
-      </p:grpSpPr>
-      <p:sp>
-        <p:nvSpPr>
-          <p:cNvPr id="2" name="Title 1">
-            <a:extLst>
-              <a:ext uri="{FF2B5EF4-FFF2-40B4-BE49-F238E27FC236}">
-                <a16:creationId xmlns:a16="http://schemas.microsoft.com/office/drawing/2014/main" id="{84BF00EF-CBC3-B29F-0104-89CB8A10732A}"/>
-              </a:ext>
-            </a:extLst>
-          </p:cNvPr>
-          <p:cNvSpPr>
-            <a:spLocks noGrp="1"/>
-          </p:cNvSpPr>
-          <p:nvPr>
-            <p:ph type="title"/>
-          </p:nvPr>
-        </p:nvSpPr>
-        <p:spPr/>
-        <p:txBody>
-          <a:bodyPr/>
-          <a:lstStyle/>
-          <a:p>
-            <a:r>
-              <a:rPr lang="sr-Latn-RS" dirty="0"/>
-              <a:t>Opis podataka koji se koriste za ovaj projekat</a:t>
-            </a:r>
-            <a:endParaRPr lang="en-US" dirty="0"/>
-          </a:p>
-        </p:txBody>
-      </p:sp>
-      <p:pic>
-        <p:nvPicPr>
-          <p:cNvPr id="5" name="Content Placeholder 4">
-            <a:extLst>
-              <a:ext uri="{FF2B5EF4-FFF2-40B4-BE49-F238E27FC236}">
-                <a16:creationId xmlns:a16="http://schemas.microsoft.com/office/drawing/2014/main" id="{FAA27365-781E-CC26-14C2-6B38D008E980}"/>
-              </a:ext>
-            </a:extLst>
-          </p:cNvPr>
-          <p:cNvPicPr>
-            <a:picLocks noGrp="1" noChangeAspect="1"/>
-          </p:cNvPicPr>
-          <p:nvPr>
-            <p:ph sz="half" idx="1"/>
-          </p:nvPr>
-        </p:nvPicPr>
-        <p:blipFill>
-          <a:blip r:embed="rId2"/>
-          <a:stretch>
-            <a:fillRect/>
-          </a:stretch>
-        </p:blipFill>
-        <p:spPr>
-          <a:xfrm>
-            <a:off x="578078" y="4461298"/>
-            <a:ext cx="11035844" cy="466303"/>
-          </a:xfrm>
-        </p:spPr>
-      </p:pic>
-      <p:sp>
-        <p:nvSpPr>
-          <p:cNvPr id="6" name="Content Placeholder 5">
-            <a:extLst>
-              <a:ext uri="{FF2B5EF4-FFF2-40B4-BE49-F238E27FC236}">
-                <a16:creationId xmlns:a16="http://schemas.microsoft.com/office/drawing/2014/main" id="{21820E4A-904A-6E79-2775-07CEDC6CB477}"/>
-              </a:ext>
-            </a:extLst>
-          </p:cNvPr>
-          <p:cNvSpPr>
-            <a:spLocks noGrp="1"/>
-          </p:cNvSpPr>
-          <p:nvPr>
-            <p:ph sz="half" idx="2"/>
-          </p:nvPr>
-        </p:nvSpPr>
-        <p:spPr>
-          <a:xfrm>
-            <a:off x="795130" y="2160589"/>
-            <a:ext cx="8478874" cy="3880773"/>
-          </a:xfrm>
-        </p:spPr>
-        <p:txBody>
-          <a:bodyPr/>
-          <a:lstStyle/>
-          <a:p>
-            <a:r>
-              <a:rPr lang="sr-Latn-RS" dirty="0"/>
-              <a:t>Dataset se sastoji od podataka koji opisuju kretanje vozila u Nišu u jednom danu u rasponu od 12h. </a:t>
-            </a:r>
-          </a:p>
-          <a:p>
-            <a:r>
-              <a:rPr lang="sr-Latn-RS" dirty="0"/>
-              <a:t>Veličina dataset-a je oko 1GB.</a:t>
-            </a:r>
-          </a:p>
-          <a:p>
-            <a:r>
-              <a:rPr lang="sr-Latn-RS" dirty="0"/>
-              <a:t>Atributi u dataset-u prikazuju gde se vozilo nalazilo u određenom trenutku, količinu različitih izduvnih gasova i nivo buke koju vozilo proizvodi.</a:t>
-            </a:r>
-          </a:p>
-        </p:txBody>
-      </p:sp>
-    </p:spTree>
-    <p:extLst>
-      <p:ext uri="{BB962C8B-B14F-4D97-AF65-F5344CB8AC3E}">
-        <p14:creationId xmlns:p14="http://schemas.microsoft.com/office/powerpoint/2010/main" val="2222985660"/>
-      </p:ext>
-    </p:extLst>
-  </p:cSld>
-  <p:clrMapOvr>
-    <a:masterClrMapping/>
-  </p:clrMapOvr>
-  <mc:AlternateContent xmlns:mc="http://schemas.openxmlformats.org/markup-compatibility/2006" xmlns:p14="http://schemas.microsoft.com/office/powerpoint/2010/main">
-    <mc:Choice Requires="p14">
-      <p:transition spd="med" p14:dur="700">
-        <p:fade/>
-      </p:transition>
-    </mc:Choice>
-    <mc:Fallback xmlns="">
-      <p:transition spd="med">
-        <p:fade/>
-      </p:transition>
-    </mc:Fallback>
-  </mc:AlternateContent>
-</p:sld>
-</file>
-
-<file path=ppt/slides/slide20.xml><?xml version="1.0" encoding="utf-8"?>
+<file path=ppt/slides/slide21.xml><?xml version="1.0" encoding="utf-8"?>
 <p:sld xmlns:a="http://schemas.openxmlformats.org/drawingml/2006/main" xmlns:r="http://schemas.openxmlformats.org/officeDocument/2006/relationships" xmlns:p="http://schemas.openxmlformats.org/presentationml/2006/main">
   <p:cSld>
     <p:spTree>
@@ -8313,6 +8459,161 @@
           <p:cNvPr id="2" name="Title 1">
             <a:extLst>
               <a:ext uri="{FF2B5EF4-FFF2-40B4-BE49-F238E27FC236}">
+                <a16:creationId xmlns:a16="http://schemas.microsoft.com/office/drawing/2014/main" id="{D924D85D-88C7-17E5-C28A-CDD6C8FFA105}"/>
+              </a:ext>
+            </a:extLst>
+          </p:cNvPr>
+          <p:cNvSpPr>
+            <a:spLocks noGrp="1"/>
+          </p:cNvSpPr>
+          <p:nvPr>
+            <p:ph type="title"/>
+          </p:nvPr>
+        </p:nvSpPr>
+        <p:spPr/>
+        <p:txBody>
+          <a:bodyPr/>
+          <a:lstStyle/>
+          <a:p>
+            <a:r>
+              <a:rPr lang="sr-Latn-RS" dirty="0"/>
+              <a:t>POJO klase koje se koriste za mapiranje 					</a:t>
+            </a:r>
+            <a:r>
+              <a:rPr lang="en-US" dirty="0"/>
+              <a:t>			</a:t>
+            </a:r>
+            <a:r>
+              <a:rPr lang="sr-Latn-RS" dirty="0"/>
+              <a:t>podataka</a:t>
+            </a:r>
+          </a:p>
+        </p:txBody>
+      </p:sp>
+      <p:pic>
+        <p:nvPicPr>
+          <p:cNvPr id="5" name="Content Placeholder 4">
+            <a:extLst>
+              <a:ext uri="{FF2B5EF4-FFF2-40B4-BE49-F238E27FC236}">
+                <a16:creationId xmlns:a16="http://schemas.microsoft.com/office/drawing/2014/main" id="{B69276EB-D998-2DE2-A927-C95BAAB2AF01}"/>
+              </a:ext>
+            </a:extLst>
+          </p:cNvPr>
+          <p:cNvPicPr>
+            <a:picLocks noGrp="1" noChangeAspect="1"/>
+          </p:cNvPicPr>
+          <p:nvPr>
+            <p:ph idx="1"/>
+          </p:nvPr>
+        </p:nvPicPr>
+        <p:blipFill>
+          <a:blip r:embed="rId2"/>
+          <a:stretch>
+            <a:fillRect/>
+          </a:stretch>
+        </p:blipFill>
+        <p:spPr>
+          <a:xfrm>
+            <a:off x="6894444" y="3108014"/>
+            <a:ext cx="4419600" cy="1374328"/>
+          </a:xfrm>
+        </p:spPr>
+      </p:pic>
+      <p:pic>
+        <p:nvPicPr>
+          <p:cNvPr id="7" name="Picture 6">
+            <a:extLst>
+              <a:ext uri="{FF2B5EF4-FFF2-40B4-BE49-F238E27FC236}">
+                <a16:creationId xmlns:a16="http://schemas.microsoft.com/office/drawing/2014/main" id="{73ACD640-9D0B-20B7-7BA3-B29BD8D0A765}"/>
+              </a:ext>
+            </a:extLst>
+          </p:cNvPr>
+          <p:cNvPicPr>
+            <a:picLocks noChangeAspect="1"/>
+          </p:cNvPicPr>
+          <p:nvPr/>
+        </p:nvPicPr>
+        <p:blipFill>
+          <a:blip r:embed="rId3"/>
+          <a:stretch>
+            <a:fillRect/>
+          </a:stretch>
+        </p:blipFill>
+        <p:spPr>
+          <a:xfrm>
+            <a:off x="6894444" y="4576141"/>
+            <a:ext cx="4419600" cy="1257300"/>
+          </a:xfrm>
+          <a:prstGeom prst="rect">
+            <a:avLst/>
+          </a:prstGeom>
+        </p:spPr>
+      </p:pic>
+      <p:pic>
+        <p:nvPicPr>
+          <p:cNvPr id="9" name="Picture 8">
+            <a:extLst>
+              <a:ext uri="{FF2B5EF4-FFF2-40B4-BE49-F238E27FC236}">
+                <a16:creationId xmlns:a16="http://schemas.microsoft.com/office/drawing/2014/main" id="{44C2294A-2B43-17CD-3BCF-9F510D88596C}"/>
+              </a:ext>
+            </a:extLst>
+          </p:cNvPr>
+          <p:cNvPicPr>
+            <a:picLocks noChangeAspect="1"/>
+          </p:cNvPicPr>
+          <p:nvPr/>
+        </p:nvPicPr>
+        <p:blipFill>
+          <a:blip r:embed="rId4"/>
+          <a:stretch>
+            <a:fillRect/>
+          </a:stretch>
+        </p:blipFill>
+        <p:spPr>
+          <a:xfrm>
+            <a:off x="1496047" y="1930400"/>
+            <a:ext cx="3591618" cy="4657517"/>
+          </a:xfrm>
+          <a:prstGeom prst="rect">
+            <a:avLst/>
+          </a:prstGeom>
+        </p:spPr>
+      </p:pic>
+    </p:spTree>
+    <p:extLst>
+      <p:ext uri="{BB962C8B-B14F-4D97-AF65-F5344CB8AC3E}">
+        <p14:creationId xmlns:p14="http://schemas.microsoft.com/office/powerpoint/2010/main" val="3412883820"/>
+      </p:ext>
+    </p:extLst>
+  </p:cSld>
+  <p:clrMapOvr>
+    <a:masterClrMapping/>
+  </p:clrMapOvr>
+</p:sld>
+</file>
+
+<file path=ppt/slides/slide9.xml><?xml version="1.0" encoding="utf-8"?>
+<p:sld xmlns:a="http://schemas.openxmlformats.org/drawingml/2006/main" xmlns:r="http://schemas.openxmlformats.org/officeDocument/2006/relationships" xmlns:p="http://schemas.openxmlformats.org/presentationml/2006/main">
+  <p:cSld>
+    <p:spTree>
+      <p:nvGrpSpPr>
+        <p:cNvPr id="1" name=""/>
+        <p:cNvGrpSpPr/>
+        <p:nvPr/>
+      </p:nvGrpSpPr>
+      <p:grpSpPr>
+        <a:xfrm>
+          <a:off x="0" y="0"/>
+          <a:ext cx="0" cy="0"/>
+          <a:chOff x="0" y="0"/>
+          <a:chExt cx="0" cy="0"/>
+        </a:xfrm>
+      </p:grpSpPr>
+      <p:sp>
+        <p:nvSpPr>
+          <p:cNvPr id="2" name="Title 1">
+            <a:extLst>
+              <a:ext uri="{FF2B5EF4-FFF2-40B4-BE49-F238E27FC236}">
                 <a16:creationId xmlns:a16="http://schemas.microsoft.com/office/drawing/2014/main" id="{53046B66-6C22-55F2-EB6A-465063C9C944}"/>
               </a:ext>
             </a:extLst>
@@ -8418,151 +8719,6 @@
     <p:extLst>
       <p:ext uri="{BB962C8B-B14F-4D97-AF65-F5344CB8AC3E}">
         <p14:creationId xmlns:p14="http://schemas.microsoft.com/office/powerpoint/2010/main" val="3019313649"/>
-      </p:ext>
-    </p:extLst>
-  </p:cSld>
-  <p:clrMapOvr>
-    <a:masterClrMapping/>
-  </p:clrMapOvr>
-  <mc:AlternateContent xmlns:mc="http://schemas.openxmlformats.org/markup-compatibility/2006" xmlns:p14="http://schemas.microsoft.com/office/powerpoint/2010/main">
-    <mc:Choice Requires="p14">
-      <p:transition spd="med" p14:dur="700">
-        <p:fade/>
-      </p:transition>
-    </mc:Choice>
-    <mc:Fallback xmlns="">
-      <p:transition spd="med">
-        <p:fade/>
-      </p:transition>
-    </mc:Fallback>
-  </mc:AlternateContent>
-</p:sld>
-</file>
-
-<file path=ppt/slides/slide9.xml><?xml version="1.0" encoding="utf-8"?>
-<p:sld xmlns:a="http://schemas.openxmlformats.org/drawingml/2006/main" xmlns:r="http://schemas.openxmlformats.org/officeDocument/2006/relationships" xmlns:p="http://schemas.openxmlformats.org/presentationml/2006/main">
-  <p:cSld>
-    <p:spTree>
-      <p:nvGrpSpPr>
-        <p:cNvPr id="1" name=""/>
-        <p:cNvGrpSpPr/>
-        <p:nvPr/>
-      </p:nvGrpSpPr>
-      <p:grpSpPr>
-        <a:xfrm>
-          <a:off x="0" y="0"/>
-          <a:ext cx="0" cy="0"/>
-          <a:chOff x="0" y="0"/>
-          <a:chExt cx="0" cy="0"/>
-        </a:xfrm>
-      </p:grpSpPr>
-      <p:sp>
-        <p:nvSpPr>
-          <p:cNvPr id="3" name="Content Placeholder 2">
-            <a:extLst>
-              <a:ext uri="{FF2B5EF4-FFF2-40B4-BE49-F238E27FC236}">
-                <a16:creationId xmlns:a16="http://schemas.microsoft.com/office/drawing/2014/main" id="{BE34E74E-76E6-4E62-A317-A5B7D1156E88}"/>
-              </a:ext>
-            </a:extLst>
-          </p:cNvPr>
-          <p:cNvSpPr>
-            <a:spLocks noGrp="1"/>
-          </p:cNvSpPr>
-          <p:nvPr>
-            <p:ph idx="1"/>
-          </p:nvPr>
-        </p:nvSpPr>
-        <p:spPr>
-          <a:xfrm>
-            <a:off x="677334" y="212035"/>
-            <a:ext cx="9049762" cy="5829327"/>
-          </a:xfrm>
-        </p:spPr>
-        <p:txBody>
-          <a:bodyPr/>
-          <a:lstStyle/>
-          <a:p>
-            <a:r>
-              <a:rPr lang="en-US" dirty="0"/>
-              <a:t>Nakon toga</a:t>
-            </a:r>
-            <a:r>
-              <a:rPr lang="sr-Latn-RS" dirty="0"/>
-              <a:t> vrši se upis u cassandra bazu podataka, u jednu od dve tabele, max_data ili min_data. Mapiranje objekata na bazu podataka se vrši uz pomoć objekata klasa MaxSpeed i MinSpeed koje nasleđuju klasu CarData u kojoj je implementirana funkcija hashCode() kako bi ovo mapiranje bilo moguće.</a:t>
-            </a:r>
-          </a:p>
-        </p:txBody>
-      </p:sp>
-      <p:pic>
-        <p:nvPicPr>
-          <p:cNvPr id="5" name="Picture 4">
-            <a:extLst>
-              <a:ext uri="{FF2B5EF4-FFF2-40B4-BE49-F238E27FC236}">
-                <a16:creationId xmlns:a16="http://schemas.microsoft.com/office/drawing/2014/main" id="{3449C544-9FAB-B82A-E36F-D9F2DCFA7BD2}"/>
-              </a:ext>
-            </a:extLst>
-          </p:cNvPr>
-          <p:cNvPicPr>
-            <a:picLocks noChangeAspect="1"/>
-          </p:cNvPicPr>
-          <p:nvPr/>
-        </p:nvPicPr>
-        <p:blipFill>
-          <a:blip r:embed="rId2"/>
-          <a:stretch>
-            <a:fillRect/>
-          </a:stretch>
-        </p:blipFill>
-        <p:spPr>
-          <a:xfrm>
-            <a:off x="1102622" y="1505157"/>
-            <a:ext cx="7362825" cy="1038225"/>
-          </a:xfrm>
-          <a:prstGeom prst="rect">
-            <a:avLst/>
-          </a:prstGeom>
-        </p:spPr>
-      </p:pic>
-      <p:pic>
-        <p:nvPicPr>
-          <p:cNvPr id="9" name="Picture 8">
-            <a:extLst>
-              <a:ext uri="{FF2B5EF4-FFF2-40B4-BE49-F238E27FC236}">
-                <a16:creationId xmlns:a16="http://schemas.microsoft.com/office/drawing/2014/main" id="{52332F2D-C3C2-42D1-82AD-EF81245F0066}"/>
-              </a:ext>
-            </a:extLst>
-          </p:cNvPr>
-          <p:cNvPicPr>
-            <a:picLocks noChangeAspect="1"/>
-          </p:cNvPicPr>
-          <p:nvPr/>
-        </p:nvPicPr>
-        <p:blipFill>
-          <a:blip r:embed="rId3">
-            <a:extLst>
-              <a:ext uri="{28A0092B-C50C-407E-A947-70E740481C1C}">
-                <a14:useLocalDpi xmlns:a14="http://schemas.microsoft.com/office/drawing/2010/main" val="0"/>
-              </a:ext>
-            </a:extLst>
-          </a:blip>
-          <a:stretch>
-            <a:fillRect/>
-          </a:stretch>
-        </p:blipFill>
-        <p:spPr>
-          <a:xfrm>
-            <a:off x="1102622" y="2636030"/>
-            <a:ext cx="7904796" cy="3907437"/>
-          </a:xfrm>
-          <a:prstGeom prst="rect">
-            <a:avLst/>
-          </a:prstGeom>
-        </p:spPr>
-      </p:pic>
-    </p:spTree>
-    <p:extLst>
-      <p:ext uri="{BB962C8B-B14F-4D97-AF65-F5344CB8AC3E}">
-        <p14:creationId xmlns:p14="http://schemas.microsoft.com/office/powerpoint/2010/main" val="1776400515"/>
       </p:ext>
     </p:extLst>
   </p:cSld>
